--- a/Assignment_Presentation.pptx
+++ b/Assignment_Presentation.pptx
@@ -122,6 +122,11 @@
       </a:defRPr>
     </a:lvl9pPr>
   </p:defaultTextStyle>
+  <p:extLst>
+    <p:ext uri="{EFAFB233-063F-42B5-8137-9DF3F51BA10A}">
+      <p15:sldGuideLst xmlns:p15="http://schemas.microsoft.com/office/powerpoint/2012/main"/>
+    </p:ext>
+  </p:extLst>
 </p:presentation>
 </file>
 
@@ -207,7 +212,7 @@
           <a:p>
             <a:fld id="{3E290F05-16CF-428B-931A-B44AF22F3F5D}" type="datetimeFigureOut">
               <a:rPr lang="sv-SE" smtClean="0"/>
-              <a:t>2025-11-09</a:t>
+              <a:t>2025-11-11</a:t>
             </a:fld>
             <a:endParaRPr lang="sv-SE"/>
           </a:p>
@@ -1043,7 +1048,7 @@
           <a:p>
             <a:fld id="{DD965CB5-41D2-4442-800C-A82C5F7D21BF}" type="datetimeFigureOut">
               <a:rPr lang="sv-SE" smtClean="0"/>
-              <a:t>2025-11-08</a:t>
+              <a:t>2025-11-11</a:t>
             </a:fld>
             <a:endParaRPr lang="sv-SE"/>
           </a:p>
@@ -1243,7 +1248,7 @@
           <a:p>
             <a:fld id="{DD965CB5-41D2-4442-800C-A82C5F7D21BF}" type="datetimeFigureOut">
               <a:rPr lang="sv-SE" smtClean="0"/>
-              <a:t>2025-11-08</a:t>
+              <a:t>2025-11-11</a:t>
             </a:fld>
             <a:endParaRPr lang="sv-SE"/>
           </a:p>
@@ -1453,7 +1458,7 @@
           <a:p>
             <a:fld id="{DD965CB5-41D2-4442-800C-A82C5F7D21BF}" type="datetimeFigureOut">
               <a:rPr lang="sv-SE" smtClean="0"/>
-              <a:t>2025-11-08</a:t>
+              <a:t>2025-11-11</a:t>
             </a:fld>
             <a:endParaRPr lang="sv-SE"/>
           </a:p>
@@ -1675,7 +1680,7 @@
           <a:p>
             <a:fld id="{75276DDE-365B-4FF2-8DF4-82F844349C4D}" type="datetimeFigureOut">
               <a:rPr lang="sv-SE" smtClean="0"/>
-              <a:t>2025-11-09</a:t>
+              <a:t>2025-11-11</a:t>
             </a:fld>
             <a:endParaRPr lang="sv-SE"/>
           </a:p>
@@ -1875,7 +1880,7 @@
           <a:p>
             <a:fld id="{75276DDE-365B-4FF2-8DF4-82F844349C4D}" type="datetimeFigureOut">
               <a:rPr lang="sv-SE" smtClean="0"/>
-              <a:t>2025-11-09</a:t>
+              <a:t>2025-11-11</a:t>
             </a:fld>
             <a:endParaRPr lang="sv-SE"/>
           </a:p>
@@ -2151,7 +2156,7 @@
           <a:p>
             <a:fld id="{75276DDE-365B-4FF2-8DF4-82F844349C4D}" type="datetimeFigureOut">
               <a:rPr lang="sv-SE" smtClean="0"/>
-              <a:t>2025-11-09</a:t>
+              <a:t>2025-11-11</a:t>
             </a:fld>
             <a:endParaRPr lang="sv-SE"/>
           </a:p>
@@ -2419,7 +2424,7 @@
           <a:p>
             <a:fld id="{75276DDE-365B-4FF2-8DF4-82F844349C4D}" type="datetimeFigureOut">
               <a:rPr lang="sv-SE" smtClean="0"/>
-              <a:t>2025-11-09</a:t>
+              <a:t>2025-11-11</a:t>
             </a:fld>
             <a:endParaRPr lang="sv-SE"/>
           </a:p>
@@ -2834,7 +2839,7 @@
           <a:p>
             <a:fld id="{75276DDE-365B-4FF2-8DF4-82F844349C4D}" type="datetimeFigureOut">
               <a:rPr lang="sv-SE" smtClean="0"/>
-              <a:t>2025-11-09</a:t>
+              <a:t>2025-11-11</a:t>
             </a:fld>
             <a:endParaRPr lang="sv-SE"/>
           </a:p>
@@ -2976,7 +2981,7 @@
           <a:p>
             <a:fld id="{75276DDE-365B-4FF2-8DF4-82F844349C4D}" type="datetimeFigureOut">
               <a:rPr lang="sv-SE" smtClean="0"/>
-              <a:t>2025-11-09</a:t>
+              <a:t>2025-11-11</a:t>
             </a:fld>
             <a:endParaRPr lang="sv-SE"/>
           </a:p>
@@ -3089,7 +3094,7 @@
           <a:p>
             <a:fld id="{75276DDE-365B-4FF2-8DF4-82F844349C4D}" type="datetimeFigureOut">
               <a:rPr lang="sv-SE" smtClean="0"/>
-              <a:t>2025-11-09</a:t>
+              <a:t>2025-11-11</a:t>
             </a:fld>
             <a:endParaRPr lang="sv-SE"/>
           </a:p>
@@ -3402,7 +3407,7 @@
           <a:p>
             <a:fld id="{75276DDE-365B-4FF2-8DF4-82F844349C4D}" type="datetimeFigureOut">
               <a:rPr lang="sv-SE" smtClean="0"/>
-              <a:t>2025-11-09</a:t>
+              <a:t>2025-11-11</a:t>
             </a:fld>
             <a:endParaRPr lang="sv-SE"/>
           </a:p>
@@ -3602,7 +3607,7 @@
           <a:p>
             <a:fld id="{DD965CB5-41D2-4442-800C-A82C5F7D21BF}" type="datetimeFigureOut">
               <a:rPr lang="sv-SE" smtClean="0"/>
-              <a:t>2025-11-08</a:t>
+              <a:t>2025-11-11</a:t>
             </a:fld>
             <a:endParaRPr lang="sv-SE"/>
           </a:p>
@@ -3891,7 +3896,7 @@
           <a:p>
             <a:fld id="{75276DDE-365B-4FF2-8DF4-82F844349C4D}" type="datetimeFigureOut">
               <a:rPr lang="sv-SE" smtClean="0"/>
-              <a:t>2025-11-09</a:t>
+              <a:t>2025-11-11</a:t>
             </a:fld>
             <a:endParaRPr lang="sv-SE"/>
           </a:p>
@@ -4091,7 +4096,7 @@
           <a:p>
             <a:fld id="{75276DDE-365B-4FF2-8DF4-82F844349C4D}" type="datetimeFigureOut">
               <a:rPr lang="sv-SE" smtClean="0"/>
-              <a:t>2025-11-09</a:t>
+              <a:t>2025-11-11</a:t>
             </a:fld>
             <a:endParaRPr lang="sv-SE"/>
           </a:p>
@@ -4301,7 +4306,7 @@
           <a:p>
             <a:fld id="{75276DDE-365B-4FF2-8DF4-82F844349C4D}" type="datetimeFigureOut">
               <a:rPr lang="sv-SE" smtClean="0"/>
-              <a:t>2025-11-09</a:t>
+              <a:t>2025-11-11</a:t>
             </a:fld>
             <a:endParaRPr lang="sv-SE"/>
           </a:p>
@@ -4667,7 +4672,7 @@
           <a:p>
             <a:fld id="{84612259-245B-4F54-B859-04E8F2EEC5C5}" type="datetime1">
               <a:rPr lang="en-GB" smtClean="0"/>
-              <a:t>09/11/2025</a:t>
+              <a:t>11/11/2025</a:t>
             </a:fld>
             <a:endParaRPr lang="en-GB"/>
           </a:p>
@@ -4928,7 +4933,7 @@
           <a:p>
             <a:fld id="{EC7359AB-4333-4236-B188-EBBD1D072709}" type="datetime1">
               <a:rPr lang="en-GB" smtClean="0"/>
-              <a:t>09/11/2025</a:t>
+              <a:t>11/11/2025</a:t>
             </a:fld>
             <a:endParaRPr lang="en-GB"/>
           </a:p>
@@ -5272,7 +5277,7 @@
           <a:p>
             <a:fld id="{DD965CB5-41D2-4442-800C-A82C5F7D21BF}" type="datetimeFigureOut">
               <a:rPr lang="sv-SE" smtClean="0"/>
-              <a:t>2025-11-08</a:t>
+              <a:t>2025-11-11</a:t>
             </a:fld>
             <a:endParaRPr lang="sv-SE"/>
           </a:p>
@@ -5540,7 +5545,7 @@
           <a:p>
             <a:fld id="{DD965CB5-41D2-4442-800C-A82C5F7D21BF}" type="datetimeFigureOut">
               <a:rPr lang="sv-SE" smtClean="0"/>
-              <a:t>2025-11-08</a:t>
+              <a:t>2025-11-11</a:t>
             </a:fld>
             <a:endParaRPr lang="sv-SE"/>
           </a:p>
@@ -5955,7 +5960,7 @@
           <a:p>
             <a:fld id="{DD965CB5-41D2-4442-800C-A82C5F7D21BF}" type="datetimeFigureOut">
               <a:rPr lang="sv-SE" smtClean="0"/>
-              <a:t>2025-11-08</a:t>
+              <a:t>2025-11-11</a:t>
             </a:fld>
             <a:endParaRPr lang="sv-SE"/>
           </a:p>
@@ -6097,7 +6102,7 @@
           <a:p>
             <a:fld id="{DD965CB5-41D2-4442-800C-A82C5F7D21BF}" type="datetimeFigureOut">
               <a:rPr lang="sv-SE" smtClean="0"/>
-              <a:t>2025-11-08</a:t>
+              <a:t>2025-11-11</a:t>
             </a:fld>
             <a:endParaRPr lang="sv-SE"/>
           </a:p>
@@ -6210,7 +6215,7 @@
           <a:p>
             <a:fld id="{DD965CB5-41D2-4442-800C-A82C5F7D21BF}" type="datetimeFigureOut">
               <a:rPr lang="sv-SE" smtClean="0"/>
-              <a:t>2025-11-08</a:t>
+              <a:t>2025-11-11</a:t>
             </a:fld>
             <a:endParaRPr lang="sv-SE"/>
           </a:p>
@@ -6523,7 +6528,7 @@
           <a:p>
             <a:fld id="{DD965CB5-41D2-4442-800C-A82C5F7D21BF}" type="datetimeFigureOut">
               <a:rPr lang="sv-SE" smtClean="0"/>
-              <a:t>2025-11-08</a:t>
+              <a:t>2025-11-11</a:t>
             </a:fld>
             <a:endParaRPr lang="sv-SE"/>
           </a:p>
@@ -6812,7 +6817,7 @@
           <a:p>
             <a:fld id="{DD965CB5-41D2-4442-800C-A82C5F7D21BF}" type="datetimeFigureOut">
               <a:rPr lang="sv-SE" smtClean="0"/>
-              <a:t>2025-11-08</a:t>
+              <a:t>2025-11-11</a:t>
             </a:fld>
             <a:endParaRPr lang="sv-SE"/>
           </a:p>
@@ -7055,7 +7060,7 @@
           <a:p>
             <a:fld id="{DD965CB5-41D2-4442-800C-A82C5F7D21BF}" type="datetimeFigureOut">
               <a:rPr lang="sv-SE" smtClean="0"/>
-              <a:t>2025-11-08</a:t>
+              <a:t>2025-11-11</a:t>
             </a:fld>
             <a:endParaRPr lang="sv-SE"/>
           </a:p>
@@ -7625,7 +7630,7 @@
           <a:p>
             <a:fld id="{75276DDE-365B-4FF2-8DF4-82F844349C4D}" type="datetimeFigureOut">
               <a:rPr lang="sv-SE" smtClean="0"/>
-              <a:t>2025-11-09</a:t>
+              <a:t>2025-11-11</a:t>
             </a:fld>
             <a:endParaRPr lang="sv-SE"/>
           </a:p>
@@ -14239,6 +14244,42 @@
           </a:prstGeom>
         </p:spPr>
       </p:pic>
+      <p:sp>
+        <p:nvSpPr>
+          <p:cNvPr id="4" name="TextBox 3">
+            <a:extLst>
+              <a:ext uri="{FF2B5EF4-FFF2-40B4-BE49-F238E27FC236}">
+                <a16:creationId xmlns:a16="http://schemas.microsoft.com/office/drawing/2014/main" id="{B748A127-4AAD-D89C-82D9-2D30B46F64EF}"/>
+              </a:ext>
+            </a:extLst>
+          </p:cNvPr>
+          <p:cNvSpPr txBox="1"/>
+          <p:nvPr/>
+        </p:nvSpPr>
+        <p:spPr>
+          <a:xfrm>
+            <a:off x="618067" y="5884333"/>
+            <a:ext cx="4144541" cy="461665"/>
+          </a:xfrm>
+          <a:prstGeom prst="rect">
+            <a:avLst/>
+          </a:prstGeom>
+          <a:noFill/>
+        </p:spPr>
+        <p:txBody>
+          <a:bodyPr wrap="square" rtlCol="0">
+            <a:spAutoFit/>
+          </a:bodyPr>
+          <a:lstStyle/>
+          <a:p>
+            <a:r>
+              <a:rPr lang="en-US" sz="1200" dirty="0"/>
+              <a:t>Feature “turnover” is the most important feature for SAR prediction and has a positive relationship with SAR value 1.</a:t>
+            </a:r>
+            <a:endParaRPr lang="sv-SE" sz="1200" dirty="0"/>
+          </a:p>
+        </p:txBody>
+      </p:sp>
     </p:spTree>
     <p:extLst>
       <p:ext uri="{BB962C8B-B14F-4D97-AF65-F5344CB8AC3E}">
@@ -22144,7 +22185,7 @@
             </a:pPr>
             <a:r>
               <a:rPr lang="en-US" b="1" dirty="0"/>
-              <a:t>Created 21 Features Across 4 Categories:</a:t>
+              <a:t>Created 21 Features Across 3 Categories:</a:t>
             </a:r>
             <a:br>
               <a:rPr lang="en-US" dirty="0"/>
@@ -22525,8 +22566,8 @@
         </p:blipFill>
         <p:spPr>
           <a:xfrm>
-            <a:off x="6748627" y="4066846"/>
-            <a:ext cx="3520745" cy="2720576"/>
+            <a:off x="6875626" y="4289333"/>
+            <a:ext cx="3520745" cy="2274689"/>
           </a:xfrm>
           <a:prstGeom prst="rect">
             <a:avLst/>
